--- a/s2robot/src/test/resources/extractor/msoffice/test.pptx
+++ b/s2robot/src/test/resources/extractor/msoffice/test.pptx
@@ -315,7 +315,7 @@
             <a:fld id="{00D798D0-1EB3-47B8-8852-60982DDFEAD5}" type="slidenum">
               <a:rPr lang="en-US" altLang="ja-JP"/>
               <a:pPr/>
-              <a:t>&lt;#&gt;</a:t>
+              <a:t>‹#›</a:t>
             </a:fld>
             <a:endParaRPr lang="en-US" altLang="ja-JP"/>
           </a:p>
@@ -521,7 +521,7 @@
             <a:fld id="{5F51FD8B-287B-4C8D-B246-0B3B6C97C3CF}" type="slidenum">
               <a:rPr lang="en-US" altLang="ja-JP"/>
               <a:pPr/>
-              <a:t>&lt;#&gt;</a:t>
+              <a:t>‹#›</a:t>
             </a:fld>
             <a:endParaRPr lang="en-US" altLang="ja-JP"/>
           </a:p>
@@ -737,7 +737,7 @@
             <a:fld id="{406C3571-F91C-4A17-96FA-A551C985FA2F}" type="slidenum">
               <a:rPr lang="en-US" altLang="ja-JP"/>
               <a:pPr/>
-              <a:t>&lt;#&gt;</a:t>
+              <a:t>‹#›</a:t>
             </a:fld>
             <a:endParaRPr lang="en-US" altLang="ja-JP"/>
           </a:p>
@@ -943,7 +943,7 @@
             <a:fld id="{22663497-71B4-4C1D-8096-F9963F7CD060}" type="slidenum">
               <a:rPr lang="en-US" altLang="ja-JP"/>
               <a:pPr/>
-              <a:t>&lt;#&gt;</a:t>
+              <a:t>‹#›</a:t>
             </a:fld>
             <a:endParaRPr lang="en-US" altLang="ja-JP"/>
           </a:p>
@@ -1139,7 +1139,7 @@
             <a:fld id="{9FBF9234-D59F-4884-86D3-02570C510EB6}" type="slidenum">
               <a:rPr lang="en-US" altLang="ja-JP"/>
               <a:pPr/>
-              <a:t>&lt;#&gt;</a:t>
+              <a:t>‹#›</a:t>
             </a:fld>
             <a:endParaRPr lang="en-US" altLang="ja-JP"/>
           </a:p>
@@ -1495,7 +1495,7 @@
             <a:fld id="{E41B87BF-D2BA-4B19-A105-EF98BA1BF0D2}" type="slidenum">
               <a:rPr lang="en-US" altLang="ja-JP"/>
               <a:pPr/>
-              <a:t>&lt;#&gt;</a:t>
+              <a:t>‹#›</a:t>
             </a:fld>
             <a:endParaRPr lang="en-US" altLang="ja-JP"/>
           </a:p>
@@ -1990,7 +1990,7 @@
             <a:fld id="{9DBFD9E3-0701-4977-B718-D0C7358B9A0D}" type="slidenum">
               <a:rPr lang="en-US" altLang="ja-JP"/>
               <a:pPr/>
-              <a:t>&lt;#&gt;</a:t>
+              <a:t>‹#›</a:t>
             </a:fld>
             <a:endParaRPr lang="en-US" altLang="ja-JP"/>
           </a:p>
@@ -2112,7 +2112,7 @@
             <a:fld id="{EE8316C9-8B16-4D19-BAA4-54DEC752CEBB}" type="slidenum">
               <a:rPr lang="en-US" altLang="ja-JP"/>
               <a:pPr/>
-              <a:t>&lt;#&gt;</a:t>
+              <a:t>‹#›</a:t>
             </a:fld>
             <a:endParaRPr lang="en-US" altLang="ja-JP"/>
           </a:p>
@@ -2211,7 +2211,7 @@
             <a:fld id="{F5475565-3BE2-4694-A0A2-551B8FAEBCCC}" type="slidenum">
               <a:rPr lang="en-US" altLang="ja-JP"/>
               <a:pPr/>
-              <a:t>&lt;#&gt;</a:t>
+              <a:t>‹#›</a:t>
             </a:fld>
             <a:endParaRPr lang="en-US" altLang="ja-JP"/>
           </a:p>
@@ -2524,7 +2524,7 @@
             <a:fld id="{D3AE903B-A1C4-479A-9154-922842E9785F}" type="slidenum">
               <a:rPr lang="en-US" altLang="ja-JP"/>
               <a:pPr/>
-              <a:t>&lt;#&gt;</a:t>
+              <a:t>‹#›</a:t>
             </a:fld>
             <a:endParaRPr lang="en-US" altLang="ja-JP"/>
           </a:p>
@@ -2781,7 +2781,7 @@
             <a:fld id="{3735C181-71A7-4476-BEED-0CE0813B6EDB}" type="slidenum">
               <a:rPr lang="en-US" altLang="ja-JP"/>
               <a:pPr/>
-              <a:t>&lt;#&gt;</a:t>
+              <a:t>‹#›</a:t>
             </a:fld>
             <a:endParaRPr lang="en-US" altLang="ja-JP"/>
           </a:p>
@@ -3094,7 +3094,7 @@
             <a:fld id="{8400E1D1-5C45-46E2-9688-1B8A498C09BC}" type="slidenum">
               <a:rPr lang="en-US" altLang="ja-JP"/>
               <a:pPr/>
-              <a:t>&lt;#&gt;</a:t>
+              <a:t>‹#›</a:t>
             </a:fld>
             <a:endParaRPr lang="en-US" altLang="ja-JP"/>
           </a:p>
